--- a/materials/slides/ch17/17 Linux服务器监控.pptx
+++ b/materials/slides/ch17/17 Linux服务器监控.pptx
@@ -285,11 +285,11 @@
         </c:dLbls>
         <c:marker val="1"/>
         <c:smooth val="0"/>
-        <c:axId val="173605248"/>
-        <c:axId val="173606400"/>
+        <c:axId val="190058496"/>
+        <c:axId val="190060032"/>
       </c:lineChart>
       <c:catAx>
-        <c:axId val="173605248"/>
+        <c:axId val="190058496"/>
         <c:scaling>
           <c:orientation val="minMax"/>
         </c:scaling>
@@ -298,7 +298,7 @@
         <c:majorTickMark val="out"/>
         <c:minorTickMark val="none"/>
         <c:tickLblPos val="nextTo"/>
-        <c:crossAx val="173606400"/>
+        <c:crossAx val="190060032"/>
         <c:crosses val="autoZero"/>
         <c:auto val="1"/>
         <c:lblAlgn val="ctr"/>
@@ -306,7 +306,7 @@
         <c:noMultiLvlLbl val="0"/>
       </c:catAx>
       <c:valAx>
-        <c:axId val="173606400"/>
+        <c:axId val="190060032"/>
         <c:scaling>
           <c:orientation val="minMax"/>
         </c:scaling>
@@ -317,7 +317,7 @@
         <c:majorTickMark val="out"/>
         <c:minorTickMark val="none"/>
         <c:tickLblPos val="nextTo"/>
-        <c:crossAx val="173605248"/>
+        <c:crossAx val="190058496"/>
         <c:crosses val="autoZero"/>
         <c:crossBetween val="between"/>
       </c:valAx>
@@ -8790,11 +8790,7 @@
             </a:r>
             <a:r>
               <a:rPr lang="en-US" altLang="zh-CN" dirty="0" smtClean="0"/>
-              <a:t> </a:t>
-            </a:r>
-            <a:r>
-              <a:rPr lang="en-US" altLang="zh-CN" dirty="0" smtClean="0"/>
-              <a:t>  </a:t>
+              <a:t>   </a:t>
             </a:r>
             <a:r>
               <a:rPr lang="zh-CN" altLang="en-US" smtClean="0"/>
@@ -8806,11 +8802,7 @@
             </a:r>
             <a:r>
               <a:rPr lang="en-US" altLang="zh-CN" dirty="0" smtClean="0"/>
-              <a:t> </a:t>
-            </a:r>
-            <a:r>
-              <a:rPr lang="en-US" altLang="zh-CN" dirty="0" smtClean="0"/>
-              <a:t>–</a:t>
+              <a:t> –</a:t>
             </a:r>
             <a:r>
               <a:rPr lang="en-US" altLang="zh-CN" dirty="0" err="1" smtClean="0"/>
@@ -9741,7 +9733,7 @@
         <p:spPr/>
         <p:txBody>
           <a:bodyPr>
-            <a:normAutofit lnSpcReduction="10000"/>
+            <a:normAutofit fontScale="92500" lnSpcReduction="20000"/>
           </a:bodyPr>
           <a:lstStyle/>
           <a:p>
@@ -9757,8 +9749,35 @@
               <a:t>yum install –y </a:t>
             </a:r>
             <a:r>
-              <a:rPr lang="en-US" altLang="zh-CN" dirty="0" err="1"/>
+              <a:rPr lang="en-US" altLang="zh-CN" dirty="0" err="1" smtClean="0"/>
               <a:t>sysstat</a:t>
+            </a:r>
+            <a:r>
+              <a:rPr lang="en-US" altLang="zh-CN" dirty="0" smtClean="0"/>
+              <a:t> </a:t>
+            </a:r>
+          </a:p>
+          <a:p>
+            <a:pPr lvl="1"/>
+            <a:r>
+              <a:rPr lang="en-US" altLang="zh-CN" dirty="0" smtClean="0"/>
+              <a:t>apt-get install –y </a:t>
+            </a:r>
+            <a:r>
+              <a:rPr lang="en-US" altLang="zh-CN" dirty="0" err="1" smtClean="0"/>
+              <a:t>sysstat</a:t>
+            </a:r>
+            <a:r>
+              <a:rPr lang="en-US" altLang="zh-CN" dirty="0" smtClean="0"/>
+              <a:t>(</a:t>
+            </a:r>
+            <a:r>
+              <a:rPr lang="en-US" altLang="zh-CN" dirty="0" err="1" smtClean="0"/>
+              <a:t>unbuntu</a:t>
+            </a:r>
+            <a:r>
+              <a:rPr lang="en-US" altLang="zh-CN" dirty="0" smtClean="0"/>
+              <a:t>)</a:t>
             </a:r>
             <a:endParaRPr lang="zh-CN" altLang="en-US" dirty="0"/>
           </a:p>
@@ -10758,6 +10777,13 @@
   <p:clrMapOvr>
     <a:masterClrMapping/>
   </p:clrMapOvr>
+  <p:timing>
+    <p:tnLst>
+      <p:par>
+        <p:cTn id="1" dur="indefinite" restart="never" nodeType="tmRoot"/>
+      </p:par>
+    </p:tnLst>
+  </p:timing>
 </p:sld>
 </file>
 
@@ -10907,6 +10933,13 @@
   <p:clrMapOvr>
     <a:masterClrMapping/>
   </p:clrMapOvr>
+  <p:timing>
+    <p:tnLst>
+      <p:par>
+        <p:cTn id="1" dur="indefinite" restart="never" nodeType="tmRoot"/>
+      </p:par>
+    </p:tnLst>
+  </p:timing>
 </p:sld>
 </file>
 
@@ -11102,6 +11135,13 @@
   <p:clrMapOvr>
     <a:masterClrMapping/>
   </p:clrMapOvr>
+  <p:timing>
+    <p:tnLst>
+      <p:par>
+        <p:cTn id="1" dur="indefinite" restart="never" nodeType="tmRoot"/>
+      </p:par>
+    </p:tnLst>
+  </p:timing>
 </p:sld>
 </file>
 
@@ -11420,6 +11460,13 @@
   <p:clrMapOvr>
     <a:masterClrMapping/>
   </p:clrMapOvr>
+  <p:timing>
+    <p:tnLst>
+      <p:par>
+        <p:cTn id="1" dur="indefinite" restart="never" nodeType="tmRoot"/>
+      </p:par>
+    </p:tnLst>
+  </p:timing>
 </p:sld>
 </file>
 
@@ -11548,6 +11595,13 @@
   <p:clrMapOvr>
     <a:masterClrMapping/>
   </p:clrMapOvr>
+  <p:timing>
+    <p:tnLst>
+      <p:par>
+        <p:cTn id="1" dur="indefinite" restart="never" nodeType="tmRoot"/>
+      </p:par>
+    </p:tnLst>
+  </p:timing>
 </p:sld>
 </file>
 
@@ -11586,7 +11640,7 @@
         </p:spPr>
         <p:txBody>
           <a:bodyPr>
-            <a:normAutofit fontScale="62500" lnSpcReduction="20000"/>
+            <a:normAutofit fontScale="70000" lnSpcReduction="20000"/>
           </a:bodyPr>
           <a:lstStyle/>
           <a:p>
@@ -11814,6 +11868,13 @@
   <p:clrMapOvr>
     <a:masterClrMapping/>
   </p:clrMapOvr>
+  <p:timing>
+    <p:tnLst>
+      <p:par>
+        <p:cTn id="1" dur="indefinite" restart="never" nodeType="tmRoot"/>
+      </p:par>
+    </p:tnLst>
+  </p:timing>
 </p:sld>
 </file>
 
@@ -12294,6 +12355,13 @@
   <p:clrMapOvr>
     <a:masterClrMapping/>
   </p:clrMapOvr>
+  <p:timing>
+    <p:tnLst>
+      <p:par>
+        <p:cTn id="1" dur="indefinite" restart="never" nodeType="tmRoot"/>
+      </p:par>
+    </p:tnLst>
+  </p:timing>
 </p:sld>
 </file>
 
@@ -12606,6 +12674,13 @@
   <p:clrMapOvr>
     <a:masterClrMapping/>
   </p:clrMapOvr>
+  <p:timing>
+    <p:tnLst>
+      <p:par>
+        <p:cTn id="1" dur="indefinite" restart="never" nodeType="tmRoot"/>
+      </p:par>
+    </p:tnLst>
+  </p:timing>
 </p:sld>
 </file>
 
@@ -12858,6 +12933,13 @@
   <p:clrMapOvr>
     <a:masterClrMapping/>
   </p:clrMapOvr>
+  <p:timing>
+    <p:tnLst>
+      <p:par>
+        <p:cTn id="1" dur="indefinite" restart="never" nodeType="tmRoot"/>
+      </p:par>
+    </p:tnLst>
+  </p:timing>
 </p:sld>
 </file>
 
@@ -13490,6 +13572,13 @@
   <p:clrMapOvr>
     <a:masterClrMapping/>
   </p:clrMapOvr>
+  <p:timing>
+    <p:tnLst>
+      <p:par>
+        <p:cTn id="1" dur="indefinite" restart="never" nodeType="tmRoot"/>
+      </p:par>
+    </p:tnLst>
+  </p:timing>
 </p:sld>
 </file>
 
@@ -13773,6 +13862,13 @@
   <p:clrMapOvr>
     <a:masterClrMapping/>
   </p:clrMapOvr>
+  <p:timing>
+    <p:tnLst>
+      <p:par>
+        <p:cTn id="1" dur="indefinite" restart="never" nodeType="tmRoot"/>
+      </p:par>
+    </p:tnLst>
+  </p:timing>
 </p:sld>
 </file>
 
@@ -13963,6 +14059,13 @@
   <p:clrMapOvr>
     <a:masterClrMapping/>
   </p:clrMapOvr>
+  <p:timing>
+    <p:tnLst>
+      <p:par>
+        <p:cTn id="1" dur="indefinite" restart="never" nodeType="tmRoot"/>
+      </p:par>
+    </p:tnLst>
+  </p:timing>
 </p:sld>
 </file>
 
